--- a/Yuntong_Zhu_&_Qianyou_Wang_revised.pptx
+++ b/Yuntong_Zhu_&_Qianyou_Wang_revised.pptx
@@ -14956,7 +14956,7 @@
         <p:spPr>
           <a:xfrm>
             <a:off x="4847762" y="2832069"/>
-            <a:ext cx="4128900" cy="3677900"/>
+            <a:ext cx="4128900" cy="3516317"/>
           </a:xfrm>
           <a:prstGeom prst="rect">
             <a:avLst/>
@@ -15096,7 +15096,7 @@
                 <a:effectLst/>
                 <a:latin typeface="Arial" panose="020B0604020202020204" pitchFamily="34" charset="0"/>
               </a:rPr>
-              <a:t>Deliverable 1: A comparative analysis report of different machine learning models, explaining the rationale behind the chosen model(s).</a:t>
+              <a:t>Deliverable 1: A comparative analysis of different machine learning models, explaining the rationale behind the chosen model(s).</a:t>
             </a:r>
             <a:endParaRPr lang="en-US" sz="200" b="0" dirty="0">
               <a:effectLst/>
@@ -15236,7 +15236,27 @@
                 <a:effectLst/>
                 <a:latin typeface="Arial" panose="020B0604020202020204" pitchFamily="34" charset="0"/>
               </a:rPr>
-              <a:t>Deliverable 1: A test report summarizing the findings from the preliminary testing phase, including performance metrics and initial evaluation results.</a:t>
+              <a:t>Deliverable 1: A summariz</a:t>
+            </a:r>
+            <a:r>
+              <a:rPr lang="en-US" altLang="zh-CN" sz="500" b="0" i="0" u="none" strike="noStrike" dirty="0">
+                <a:solidFill>
+                  <a:srgbClr val="000000"/>
+                </a:solidFill>
+                <a:effectLst/>
+                <a:latin typeface="Arial" panose="020B0604020202020204" pitchFamily="34" charset="0"/>
+              </a:rPr>
+              <a:t>ation of</a:t>
+            </a:r>
+            <a:r>
+              <a:rPr lang="en-US" sz="500" b="0" i="0" u="none" strike="noStrike" dirty="0">
+                <a:solidFill>
+                  <a:srgbClr val="000000"/>
+                </a:solidFill>
+                <a:effectLst/>
+                <a:latin typeface="Arial" panose="020B0604020202020204" pitchFamily="34" charset="0"/>
+              </a:rPr>
+              <a:t> the findings from the preliminary testing phase, including performance metrics and initial evaluation results.</a:t>
             </a:r>
             <a:endParaRPr lang="en-US" sz="200" b="0" dirty="0">
               <a:effectLst/>
@@ -15333,7 +15353,7 @@
                 <a:effectLst/>
                 <a:latin typeface="Arial" panose="020B0604020202020204" pitchFamily="34" charset="0"/>
               </a:rPr>
-              <a:t>Deliverable 2: An in-depth analysis report of the final testing phase, highlighting improvements made during tuning, with detailed performance metrics.</a:t>
+              <a:t>Deliverable 2: An analysis of the final testing phase, highlighting improvements made during tuning, with detailed performance metrics.</a:t>
             </a:r>
             <a:endParaRPr lang="en-US" sz="200" b="0" dirty="0">
               <a:effectLst/>
